--- a/ppt/tiw pure html and ria + notes.pptx
+++ b/ppt/tiw pure html and ria + notes.pptx
@@ -226,7 +226,7 @@
           <a:p>
             <a:fld id="{53A6A729-6C2E-4F27-A4E3-40D736D0C99F}" type="datetimeFigureOut">
               <a:rPr lang="it-IT" smtClean="0"/>
-              <a:t>18/07/2022</a:t>
+              <a:t>19/07/2022</a:t>
             </a:fld>
             <a:endParaRPr lang="it-IT"/>
           </a:p>
@@ -868,7 +868,7 @@
           <a:p>
             <a:fld id="{547AE43D-F810-491C-86DF-3DC82F896653}" type="datetimeFigureOut">
               <a:rPr lang="it-IT" smtClean="0"/>
-              <a:t>18/07/2022</a:t>
+              <a:t>19/07/2022</a:t>
             </a:fld>
             <a:endParaRPr lang="it-IT"/>
           </a:p>
@@ -1066,7 +1066,7 @@
           <a:p>
             <a:fld id="{547AE43D-F810-491C-86DF-3DC82F896653}" type="datetimeFigureOut">
               <a:rPr lang="it-IT" smtClean="0"/>
-              <a:t>18/07/2022</a:t>
+              <a:t>19/07/2022</a:t>
             </a:fld>
             <a:endParaRPr lang="it-IT"/>
           </a:p>
@@ -1274,7 +1274,7 @@
           <a:p>
             <a:fld id="{547AE43D-F810-491C-86DF-3DC82F896653}" type="datetimeFigureOut">
               <a:rPr lang="it-IT" smtClean="0"/>
-              <a:t>18/07/2022</a:t>
+              <a:t>19/07/2022</a:t>
             </a:fld>
             <a:endParaRPr lang="it-IT"/>
           </a:p>
@@ -1527,7 +1527,7 @@
             <a:fld id="{1D8BD707-D9CF-40AE-B4C6-C98DA3205C09}" type="datetimeFigureOut">
               <a:rPr lang="en-US" smtClean="0"/>
               <a:pPr/>
-              <a:t>7/18/2022</a:t>
+              <a:t>7/19/2022</a:t>
             </a:fld>
             <a:endParaRPr lang="en-US"/>
           </a:p>
@@ -1697,7 +1697,7 @@
             <a:fld id="{1D8BD707-D9CF-40AE-B4C6-C98DA3205C09}" type="datetimeFigureOut">
               <a:rPr lang="en-US" smtClean="0"/>
               <a:pPr/>
-              <a:t>7/18/2022</a:t>
+              <a:t>7/19/2022</a:t>
             </a:fld>
             <a:endParaRPr lang="en-US"/>
           </a:p>
@@ -1944,7 +1944,7 @@
             <a:fld id="{1D8BD707-D9CF-40AE-B4C6-C98DA3205C09}" type="datetimeFigureOut">
               <a:rPr lang="en-US" smtClean="0"/>
               <a:pPr/>
-              <a:t>7/18/2022</a:t>
+              <a:t>7/19/2022</a:t>
             </a:fld>
             <a:endParaRPr lang="en-US"/>
           </a:p>
@@ -2231,7 +2231,7 @@
             <a:fld id="{1D8BD707-D9CF-40AE-B4C6-C98DA3205C09}" type="datetimeFigureOut">
               <a:rPr lang="en-US" smtClean="0"/>
               <a:pPr/>
-              <a:t>7/18/2022</a:t>
+              <a:t>7/19/2022</a:t>
             </a:fld>
             <a:endParaRPr lang="en-US"/>
           </a:p>
@@ -2652,7 +2652,7 @@
             <a:fld id="{1D8BD707-D9CF-40AE-B4C6-C98DA3205C09}" type="datetimeFigureOut">
               <a:rPr lang="en-US" smtClean="0"/>
               <a:pPr/>
-              <a:t>7/18/2022</a:t>
+              <a:t>7/19/2022</a:t>
             </a:fld>
             <a:endParaRPr lang="en-US"/>
           </a:p>
@@ -2771,7 +2771,7 @@
             <a:fld id="{1D8BD707-D9CF-40AE-B4C6-C98DA3205C09}" type="datetimeFigureOut">
               <a:rPr lang="en-US" smtClean="0"/>
               <a:pPr/>
-              <a:t>7/18/2022</a:t>
+              <a:t>7/19/2022</a:t>
             </a:fld>
             <a:endParaRPr lang="en-US"/>
           </a:p>
@@ -2868,7 +2868,7 @@
             <a:fld id="{1D8BD707-D9CF-40AE-B4C6-C98DA3205C09}" type="datetimeFigureOut">
               <a:rPr lang="en-US" smtClean="0"/>
               <a:pPr/>
-              <a:t>7/18/2022</a:t>
+              <a:t>7/19/2022</a:t>
             </a:fld>
             <a:endParaRPr lang="en-US"/>
           </a:p>
@@ -3145,7 +3145,7 @@
             <a:fld id="{1D8BD707-D9CF-40AE-B4C6-C98DA3205C09}" type="datetimeFigureOut">
               <a:rPr lang="en-US" smtClean="0"/>
               <a:pPr/>
-              <a:t>7/18/2022</a:t>
+              <a:t>7/19/2022</a:t>
             </a:fld>
             <a:endParaRPr lang="en-US"/>
           </a:p>
@@ -3332,7 +3332,7 @@
           <a:p>
             <a:fld id="{547AE43D-F810-491C-86DF-3DC82F896653}" type="datetimeFigureOut">
               <a:rPr lang="it-IT" smtClean="0"/>
-              <a:t>18/07/2022</a:t>
+              <a:t>19/07/2022</a:t>
             </a:fld>
             <a:endParaRPr lang="it-IT"/>
           </a:p>
@@ -3597,7 +3597,7 @@
             <a:fld id="{1D8BD707-D9CF-40AE-B4C6-C98DA3205C09}" type="datetimeFigureOut">
               <a:rPr lang="en-US" smtClean="0"/>
               <a:pPr/>
-              <a:t>7/18/2022</a:t>
+              <a:t>7/19/2022</a:t>
             </a:fld>
             <a:endParaRPr lang="en-US"/>
           </a:p>
@@ -3767,7 +3767,7 @@
             <a:fld id="{1D8BD707-D9CF-40AE-B4C6-C98DA3205C09}" type="datetimeFigureOut">
               <a:rPr lang="en-US" smtClean="0"/>
               <a:pPr/>
-              <a:t>7/18/2022</a:t>
+              <a:t>7/19/2022</a:t>
             </a:fld>
             <a:endParaRPr lang="en-US"/>
           </a:p>
@@ -3947,7 +3947,7 @@
             <a:fld id="{1D8BD707-D9CF-40AE-B4C6-C98DA3205C09}" type="datetimeFigureOut">
               <a:rPr lang="en-US" smtClean="0"/>
               <a:pPr/>
-              <a:t>7/18/2022</a:t>
+              <a:t>7/19/2022</a:t>
             </a:fld>
             <a:endParaRPr lang="en-US"/>
           </a:p>
@@ -4383,7 +4383,7 @@
           <a:p>
             <a:fld id="{547AE43D-F810-491C-86DF-3DC82F896653}" type="datetimeFigureOut">
               <a:rPr lang="it-IT" smtClean="0"/>
-              <a:t>18/07/2022</a:t>
+              <a:t>19/07/2022</a:t>
             </a:fld>
             <a:endParaRPr lang="it-IT"/>
           </a:p>
@@ -4648,7 +4648,7 @@
           <a:p>
             <a:fld id="{547AE43D-F810-491C-86DF-3DC82F896653}" type="datetimeFigureOut">
               <a:rPr lang="it-IT" smtClean="0"/>
-              <a:t>18/07/2022</a:t>
+              <a:t>19/07/2022</a:t>
             </a:fld>
             <a:endParaRPr lang="it-IT"/>
           </a:p>
@@ -5060,7 +5060,7 @@
           <a:p>
             <a:fld id="{547AE43D-F810-491C-86DF-3DC82F896653}" type="datetimeFigureOut">
               <a:rPr lang="it-IT" smtClean="0"/>
-              <a:t>18/07/2022</a:t>
+              <a:t>19/07/2022</a:t>
             </a:fld>
             <a:endParaRPr lang="it-IT"/>
           </a:p>
@@ -5201,7 +5201,7 @@
           <a:p>
             <a:fld id="{547AE43D-F810-491C-86DF-3DC82F896653}" type="datetimeFigureOut">
               <a:rPr lang="it-IT" smtClean="0"/>
-              <a:t>18/07/2022</a:t>
+              <a:t>19/07/2022</a:t>
             </a:fld>
             <a:endParaRPr lang="it-IT"/>
           </a:p>
@@ -5314,7 +5314,7 @@
           <a:p>
             <a:fld id="{547AE43D-F810-491C-86DF-3DC82F896653}" type="datetimeFigureOut">
               <a:rPr lang="it-IT" smtClean="0"/>
-              <a:t>18/07/2022</a:t>
+              <a:t>19/07/2022</a:t>
             </a:fld>
             <a:endParaRPr lang="it-IT"/>
           </a:p>
@@ -5625,7 +5625,7 @@
           <a:p>
             <a:fld id="{547AE43D-F810-491C-86DF-3DC82F896653}" type="datetimeFigureOut">
               <a:rPr lang="it-IT" smtClean="0"/>
-              <a:t>18/07/2022</a:t>
+              <a:t>19/07/2022</a:t>
             </a:fld>
             <a:endParaRPr lang="it-IT"/>
           </a:p>
@@ -5913,7 +5913,7 @@
           <a:p>
             <a:fld id="{547AE43D-F810-491C-86DF-3DC82F896653}" type="datetimeFigureOut">
               <a:rPr lang="it-IT" smtClean="0"/>
-              <a:t>18/07/2022</a:t>
+              <a:t>19/07/2022</a:t>
             </a:fld>
             <a:endParaRPr lang="it-IT"/>
           </a:p>
@@ -6154,7 +6154,7 @@
           <a:p>
             <a:fld id="{547AE43D-F810-491C-86DF-3DC82F896653}" type="datetimeFigureOut">
               <a:rPr lang="it-IT" smtClean="0"/>
-              <a:t>18/07/2022</a:t>
+              <a:t>19/07/2022</a:t>
             </a:fld>
             <a:endParaRPr lang="it-IT"/>
           </a:p>
@@ -6705,7 +6705,7 @@
             <a:fld id="{1D8BD707-D9CF-40AE-B4C6-C98DA3205C09}" type="datetimeFigureOut">
               <a:rPr lang="en-US" smtClean="0"/>
               <a:pPr/>
-              <a:t>7/18/2022</a:t>
+              <a:t>7/19/2022</a:t>
             </a:fld>
             <a:endParaRPr lang="en-US"/>
           </a:p>
@@ -19576,31 +19576,6 @@
           </a:p>
         </p:txBody>
       </p:sp>
-      <p:sp>
-        <p:nvSpPr>
-          <p:cNvPr id="3" name="Segnaposto testo 2">
-            <a:extLst>
-              <a:ext uri="{FF2B5EF4-FFF2-40B4-BE49-F238E27FC236}">
-                <a16:creationId xmlns:a16="http://schemas.microsoft.com/office/drawing/2014/main" id="{1C80AFAA-CB61-4C4D-9CC6-7A5CCE3723BC}"/>
-              </a:ext>
-            </a:extLst>
-          </p:cNvPr>
-          <p:cNvSpPr>
-            <a:spLocks noGrp="1"/>
-          </p:cNvSpPr>
-          <p:nvPr>
-            <p:ph type="body" idx="1"/>
-          </p:nvPr>
-        </p:nvSpPr>
-        <p:spPr/>
-        <p:txBody>
-          <a:bodyPr/>
-          <a:lstStyle/>
-          <a:p>
-            <a:endParaRPr lang="it-IT" dirty="0"/>
-          </a:p>
-        </p:txBody>
-      </p:sp>
     </p:spTree>
     <p:extLst>
       <p:ext uri="{BB962C8B-B14F-4D97-AF65-F5344CB8AC3E}">
@@ -20935,14 +20910,14 @@
               <a:t>&lt;/</a:t>
             </a:r>
             <a:r>
-              <a:rPr lang="it-IT" b="0" i="0" dirty="0">
+              <a:rPr lang="it-IT" b="0" i="0">
                 <a:effectLst/>
                 <a:latin typeface="ui-monospace"/>
               </a:rPr>
               <a:t>a</a:t>
             </a:r>
             <a:r>
-              <a:rPr lang="it-IT" b="0" i="0" dirty="0">
+              <a:rPr lang="it-IT" b="0" i="0">
                 <a:solidFill>
                   <a:srgbClr val="24292F"/>
                 </a:solidFill>
@@ -20951,7 +20926,13 @@
               </a:rPr>
               <a:t>&gt;</a:t>
             </a:r>
-            <a:endParaRPr lang="it-IT" dirty="0"/>
+            <a:endParaRPr lang="it-IT" b="0" i="0" dirty="0">
+              <a:solidFill>
+                <a:srgbClr val="24292F"/>
+              </a:solidFill>
+              <a:effectLst/>
+              <a:latin typeface="ui-monospace"/>
+            </a:endParaRPr>
           </a:p>
         </p:txBody>
       </p:sp>
@@ -21518,31 +21499,6 @@
               <a:rPr lang="it-IT" dirty="0"/>
               <a:t>Versione RIA</a:t>
             </a:r>
-          </a:p>
-        </p:txBody>
-      </p:sp>
-      <p:sp>
-        <p:nvSpPr>
-          <p:cNvPr id="3" name="Segnaposto testo 2">
-            <a:extLst>
-              <a:ext uri="{FF2B5EF4-FFF2-40B4-BE49-F238E27FC236}">
-                <a16:creationId xmlns:a16="http://schemas.microsoft.com/office/drawing/2014/main" id="{1C80AFAA-CB61-4C4D-9CC6-7A5CCE3723BC}"/>
-              </a:ext>
-            </a:extLst>
-          </p:cNvPr>
-          <p:cNvSpPr>
-            <a:spLocks noGrp="1"/>
-          </p:cNvSpPr>
-          <p:nvPr>
-            <p:ph type="body" idx="1"/>
-          </p:nvPr>
-        </p:nvSpPr>
-        <p:spPr/>
-        <p:txBody>
-          <a:bodyPr/>
-          <a:lstStyle/>
-          <a:p>
-            <a:endParaRPr lang="it-IT" dirty="0"/>
           </a:p>
         </p:txBody>
       </p:sp>
